--- a/doc/00 Statusberichte/Status Meeting 2.pptx
+++ b/doc/00 Statusberichte/Status Meeting 2.pptx
@@ -118,7 +118,18 @@
   </p:defaultTextStyle>
   <p:extLst>
     <p:ext uri="{EFAFB233-063F-42B5-8137-9DF3F51BA10A}">
-      <p15:sldGuideLst xmlns:p15="http://schemas.microsoft.com/office/powerpoint/2012/main" xmlns=""/>
+      <p15:sldGuideLst xmlns:p15="http://schemas.microsoft.com/office/powerpoint/2012/main">
+        <p15:guide id="1" orient="horz" pos="2160">
+          <p15:clr>
+            <a:srgbClr val="A4A3A4"/>
+          </p15:clr>
+        </p15:guide>
+        <p15:guide id="2" pos="3840">
+          <p15:clr>
+            <a:srgbClr val="A4A3A4"/>
+          </p15:clr>
+        </p15:guide>
+      </p15:sldGuideLst>
     </p:ext>
   </p:extLst>
 </p:presentation>
@@ -313,7 +324,7 @@
             <a:fld id="{B61BEF0D-F0BB-DE4B-95CE-6DB70DBA9567}" type="datetimeFigureOut">
               <a:rPr lang="en-US" dirty="0"/>
               <a:pPr/>
-              <a:t>11/21/2013</a:t>
+              <a:t>11/23/2013</a:t>
             </a:fld>
             <a:endParaRPr lang="en-US" dirty="0"/>
           </a:p>
@@ -443,7 +454,7 @@
             <a:fld id="{D57F1E4F-1CFF-5643-939E-217C01CDF565}" type="slidenum">
               <a:rPr lang="en-US" dirty="0"/>
               <a:pPr/>
-              <a:t>‹#›</a:t>
+              <a:t>‹Nr.›</a:t>
             </a:fld>
             <a:endParaRPr lang="en-US" dirty="0"/>
           </a:p>
@@ -648,7 +659,7 @@
             <a:fld id="{B61BEF0D-F0BB-DE4B-95CE-6DB70DBA9567}" type="datetimeFigureOut">
               <a:rPr lang="en-US" dirty="0"/>
               <a:pPr/>
-              <a:t>11/21/2013</a:t>
+              <a:t>11/23/2013</a:t>
             </a:fld>
             <a:endParaRPr lang="en-US" dirty="0"/>
           </a:p>
@@ -778,7 +789,7 @@
             <a:fld id="{D57F1E4F-1CFF-5643-939E-217C01CDF565}" type="slidenum">
               <a:rPr lang="en-US" dirty="0"/>
               <a:pPr/>
-              <a:t>‹#›</a:t>
+              <a:t>‹Nr.›</a:t>
             </a:fld>
             <a:endParaRPr lang="en-US" dirty="0"/>
           </a:p>
@@ -1046,7 +1057,7 @@
             <a:fld id="{B61BEF0D-F0BB-DE4B-95CE-6DB70DBA9567}" type="datetimeFigureOut">
               <a:rPr lang="en-US" dirty="0"/>
               <a:pPr/>
-              <a:t>11/21/2013</a:t>
+              <a:t>11/23/2013</a:t>
             </a:fld>
             <a:endParaRPr lang="en-US" dirty="0"/>
           </a:p>
@@ -1176,7 +1187,7 @@
             <a:fld id="{D57F1E4F-1CFF-5643-939E-217C01CDF565}" type="slidenum">
               <a:rPr lang="en-US" dirty="0"/>
               <a:pPr/>
-              <a:t>‹#›</a:t>
+              <a:t>‹Nr.›</a:t>
             </a:fld>
             <a:endParaRPr lang="en-US" dirty="0"/>
           </a:p>
@@ -1379,7 +1390,7 @@
             <a:fld id="{B61BEF0D-F0BB-DE4B-95CE-6DB70DBA9567}" type="datetimeFigureOut">
               <a:rPr lang="en-US" dirty="0"/>
               <a:pPr/>
-              <a:t>11/21/2013</a:t>
+              <a:t>11/23/2013</a:t>
             </a:fld>
             <a:endParaRPr lang="en-US" dirty="0"/>
           </a:p>
@@ -1509,7 +1520,7 @@
             <a:fld id="{D57F1E4F-1CFF-5643-939E-217C01CDF565}" type="slidenum">
               <a:rPr lang="en-US" dirty="0"/>
               <a:pPr/>
-              <a:t>‹#›</a:t>
+              <a:t>‹Nr.›</a:t>
             </a:fld>
             <a:endParaRPr lang="en-US" dirty="0"/>
           </a:p>
@@ -1696,7 +1707,7 @@
             <a:fld id="{B61BEF0D-F0BB-DE4B-95CE-6DB70DBA9567}" type="datetimeFigureOut">
               <a:rPr lang="en-US" dirty="0"/>
               <a:pPr/>
-              <a:t>11/21/2013</a:t>
+              <a:t>11/23/2013</a:t>
             </a:fld>
             <a:endParaRPr lang="en-US" dirty="0"/>
           </a:p>
@@ -1826,7 +1837,7 @@
             <a:fld id="{D57F1E4F-1CFF-5643-939E-217C01CDF565}" type="slidenum">
               <a:rPr lang="en-US" dirty="0"/>
               <a:pPr/>
-              <a:t>‹#›</a:t>
+              <a:t>‹Nr.›</a:t>
             </a:fld>
             <a:endParaRPr lang="en-US" dirty="0"/>
           </a:p>
@@ -2089,7 +2100,7 @@
             <a:fld id="{B61BEF0D-F0BB-DE4B-95CE-6DB70DBA9567}" type="datetimeFigureOut">
               <a:rPr lang="en-US" dirty="0"/>
               <a:pPr/>
-              <a:t>11/21/2013</a:t>
+              <a:t>11/23/2013</a:t>
             </a:fld>
             <a:endParaRPr lang="en-US" dirty="0"/>
           </a:p>
@@ -2219,7 +2230,7 @@
             <a:fld id="{D57F1E4F-1CFF-5643-939E-217C01CDF565}" type="slidenum">
               <a:rPr lang="en-US" dirty="0"/>
               <a:pPr/>
-              <a:t>‹#›</a:t>
+              <a:t>‹Nr.›</a:t>
             </a:fld>
             <a:endParaRPr lang="en-US" dirty="0"/>
           </a:p>
@@ -2343,7 +2354,7 @@
             <a:fld id="{B61BEF0D-F0BB-DE4B-95CE-6DB70DBA9567}" type="datetimeFigureOut">
               <a:rPr lang="en-US" dirty="0"/>
               <a:pPr/>
-              <a:t>11/21/2013</a:t>
+              <a:t>11/23/2013</a:t>
             </a:fld>
             <a:endParaRPr lang="en-US" dirty="0"/>
           </a:p>
@@ -2468,7 +2479,7 @@
             <a:fld id="{D57F1E4F-1CFF-5643-939E-217C01CDF565}" type="slidenum">
               <a:rPr lang="en-US" dirty="0"/>
               <a:pPr/>
-              <a:t>‹#›</a:t>
+              <a:t>‹Nr.›</a:t>
             </a:fld>
             <a:endParaRPr lang="en-US" dirty="0"/>
           </a:p>
@@ -2602,7 +2613,7 @@
             <a:fld id="{B61BEF0D-F0BB-DE4B-95CE-6DB70DBA9567}" type="datetimeFigureOut">
               <a:rPr lang="en-US" dirty="0"/>
               <a:pPr/>
-              <a:t>11/21/2013</a:t>
+              <a:t>11/23/2013</a:t>
             </a:fld>
             <a:endParaRPr lang="en-US" dirty="0"/>
           </a:p>
@@ -2727,7 +2738,7 @@
             <a:fld id="{D57F1E4F-1CFF-5643-939E-217C01CDF565}" type="slidenum">
               <a:rPr lang="en-US" dirty="0"/>
               <a:pPr/>
-              <a:t>‹#›</a:t>
+              <a:t>‹Nr.›</a:t>
             </a:fld>
             <a:endParaRPr lang="en-US" dirty="0"/>
           </a:p>
@@ -2861,7 +2872,7 @@
             <a:fld id="{B61BEF0D-F0BB-DE4B-95CE-6DB70DBA9567}" type="datetimeFigureOut">
               <a:rPr lang="en-US" dirty="0"/>
               <a:pPr/>
-              <a:t>11/21/2013</a:t>
+              <a:t>11/23/2013</a:t>
             </a:fld>
             <a:endParaRPr lang="en-US" dirty="0"/>
           </a:p>
@@ -2986,7 +2997,7 @@
             <a:fld id="{D57F1E4F-1CFF-5643-939E-217C01CDF565}" type="slidenum">
               <a:rPr lang="en-US" dirty="0"/>
               <a:pPr/>
-              <a:t>‹#›</a:t>
+              <a:t>‹Nr.›</a:t>
             </a:fld>
             <a:endParaRPr lang="en-US" dirty="0"/>
           </a:p>
@@ -3187,7 +3198,7 @@
             <a:fld id="{B61BEF0D-F0BB-DE4B-95CE-6DB70DBA9567}" type="datetimeFigureOut">
               <a:rPr lang="en-US" dirty="0"/>
               <a:pPr/>
-              <a:t>11/21/2013</a:t>
+              <a:t>11/23/2013</a:t>
             </a:fld>
             <a:endParaRPr lang="en-US" dirty="0"/>
           </a:p>
@@ -3317,7 +3328,7 @@
             <a:fld id="{D57F1E4F-1CFF-5643-939E-217C01CDF565}" type="slidenum">
               <a:rPr lang="en-US" dirty="0"/>
               <a:pPr/>
-              <a:t>‹#›</a:t>
+              <a:t>‹Nr.›</a:t>
             </a:fld>
             <a:endParaRPr lang="en-US" dirty="0"/>
           </a:p>
@@ -3507,7 +3518,7 @@
             <a:fld id="{B61BEF0D-F0BB-DE4B-95CE-6DB70DBA9567}" type="datetimeFigureOut">
               <a:rPr lang="en-US" dirty="0"/>
               <a:pPr/>
-              <a:t>11/21/2013</a:t>
+              <a:t>11/23/2013</a:t>
             </a:fld>
             <a:endParaRPr lang="en-US" dirty="0"/>
           </a:p>
@@ -3637,7 +3648,7 @@
             <a:fld id="{D57F1E4F-1CFF-5643-939E-217C01CDF565}" type="slidenum">
               <a:rPr lang="en-US" dirty="0"/>
               <a:pPr/>
-              <a:t>‹#›</a:t>
+              <a:t>‹Nr.›</a:t>
             </a:fld>
             <a:endParaRPr lang="en-US" dirty="0"/>
           </a:p>
@@ -3961,7 +3972,7 @@
             <a:fld id="{B61BEF0D-F0BB-DE4B-95CE-6DB70DBA9567}" type="datetimeFigureOut">
               <a:rPr lang="en-US" dirty="0"/>
               <a:pPr/>
-              <a:t>11/21/2013</a:t>
+              <a:t>11/23/2013</a:t>
             </a:fld>
             <a:endParaRPr lang="en-US" dirty="0"/>
           </a:p>
@@ -4091,7 +4102,7 @@
             <a:fld id="{D57F1E4F-1CFF-5643-939E-217C01CDF565}" type="slidenum">
               <a:rPr lang="en-US" dirty="0"/>
               <a:pPr/>
-              <a:t>‹#›</a:t>
+              <a:t>‹Nr.›</a:t>
             </a:fld>
             <a:endParaRPr lang="en-US" dirty="0"/>
           </a:p>
@@ -4163,7 +4174,7 @@
             <a:fld id="{B61BEF0D-F0BB-DE4B-95CE-6DB70DBA9567}" type="datetimeFigureOut">
               <a:rPr lang="en-US" dirty="0"/>
               <a:pPr/>
-              <a:t>11/21/2013</a:t>
+              <a:t>11/23/2013</a:t>
             </a:fld>
             <a:endParaRPr lang="en-US" dirty="0"/>
           </a:p>
@@ -4288,7 +4299,7 @@
             <a:fld id="{D57F1E4F-1CFF-5643-939E-217C01CDF565}" type="slidenum">
               <a:rPr lang="en-US" dirty="0"/>
               <a:pPr/>
-              <a:t>‹#›</a:t>
+              <a:t>‹Nr.›</a:t>
             </a:fld>
             <a:endParaRPr lang="en-US" dirty="0"/>
           </a:p>
@@ -4337,7 +4348,7 @@
             <a:fld id="{B61BEF0D-F0BB-DE4B-95CE-6DB70DBA9567}" type="datetimeFigureOut">
               <a:rPr lang="en-US" dirty="0"/>
               <a:pPr/>
-              <a:t>11/21/2013</a:t>
+              <a:t>11/23/2013</a:t>
             </a:fld>
             <a:endParaRPr lang="en-US" dirty="0"/>
           </a:p>
@@ -4462,7 +4473,7 @@
             <a:fld id="{D57F1E4F-1CFF-5643-939E-217C01CDF565}" type="slidenum">
               <a:rPr lang="en-US" dirty="0"/>
               <a:pPr/>
-              <a:t>‹#›</a:t>
+              <a:t>‹Nr.›</a:t>
             </a:fld>
             <a:endParaRPr lang="en-US" dirty="0"/>
           </a:p>
@@ -4667,7 +4678,7 @@
             <a:fld id="{B61BEF0D-F0BB-DE4B-95CE-6DB70DBA9567}" type="datetimeFigureOut">
               <a:rPr lang="en-US" dirty="0"/>
               <a:pPr/>
-              <a:t>11/21/2013</a:t>
+              <a:t>11/23/2013</a:t>
             </a:fld>
             <a:endParaRPr lang="en-US" dirty="0"/>
           </a:p>
@@ -4792,7 +4803,7 @@
             <a:fld id="{D57F1E4F-1CFF-5643-939E-217C01CDF565}" type="slidenum">
               <a:rPr lang="en-US" dirty="0"/>
               <a:pPr/>
-              <a:t>‹#›</a:t>
+              <a:t>‹Nr.›</a:t>
             </a:fld>
             <a:endParaRPr lang="en-US" dirty="0"/>
           </a:p>
@@ -5009,7 +5020,7 @@
             <a:fld id="{B61BEF0D-F0BB-DE4B-95CE-6DB70DBA9567}" type="datetimeFigureOut">
               <a:rPr lang="en-US" dirty="0"/>
               <a:pPr/>
-              <a:t>11/21/2013</a:t>
+              <a:t>11/23/2013</a:t>
             </a:fld>
             <a:endParaRPr lang="en-US" dirty="0"/>
           </a:p>
@@ -5139,7 +5150,7 @@
             <a:fld id="{D57F1E4F-1CFF-5643-939E-217C01CDF565}" type="slidenum">
               <a:rPr lang="en-US" dirty="0"/>
               <a:pPr/>
-              <a:t>‹#›</a:t>
+              <a:t>‹Nr.›</a:t>
             </a:fld>
             <a:endParaRPr lang="en-US" dirty="0"/>
           </a:p>
@@ -7123,7 +7134,7 @@
             <a:fld id="{B61BEF0D-F0BB-DE4B-95CE-6DB70DBA9567}" type="datetimeFigureOut">
               <a:rPr lang="en-US" dirty="0"/>
               <a:pPr/>
-              <a:t>11/21/2013</a:t>
+              <a:t>11/23/2013</a:t>
             </a:fld>
             <a:endParaRPr lang="en-US" dirty="0"/>
           </a:p>
@@ -7200,7 +7211,7 @@
             <a:fld id="{D57F1E4F-1CFF-5643-939E-217C01CDF565}" type="slidenum">
               <a:rPr lang="en-US" dirty="0"/>
               <a:pPr/>
-              <a:t>‹#›</a:t>
+              <a:t>‹Nr.›</a:t>
             </a:fld>
             <a:endParaRPr lang="en-US" dirty="0"/>
           </a:p>
@@ -7653,15 +7664,7 @@
           <a:p>
             <a:r>
               <a:rPr lang="de-CH" dirty="0" smtClean="0"/>
-              <a:t>Status Meeting </a:t>
-            </a:r>
-            <a:r>
-              <a:rPr lang="de-CH" dirty="0" smtClean="0"/>
-              <a:t>2- </a:t>
-            </a:r>
-            <a:r>
-              <a:rPr lang="de-CH" dirty="0" smtClean="0"/>
-              <a:t>Gruppe LFH</a:t>
+              <a:t>Status Meeting 2- Gruppe LFH</a:t>
             </a:r>
             <a:endParaRPr lang="de-CH" dirty="0"/>
           </a:p>
@@ -7764,7 +7767,7 @@
             <p:ph idx="1"/>
             <p:extLst>
               <p:ext uri="{D42A27DB-BD31-4B8C-83A1-F6EECF244321}">
-                <p14:modId xmlns:p14="http://schemas.microsoft.com/office/powerpoint/2010/main" val="2819669508"/>
+                <p14:modId xmlns:p14="http://schemas.microsoft.com/office/powerpoint/2010/main" val="1983702086"/>
               </p:ext>
             </p:extLst>
           </p:nvPr>
@@ -7833,44 +7836,10 @@
                         </a:spcAft>
                       </a:pPr>
                       <a:r>
-                        <a:rPr lang="de-CH" sz="1400">
+                        <a:rPr lang="de-CH" sz="1400" dirty="0">
                           <a:effectLst/>
                         </a:rPr>
                         <a:t>Name</a:t>
-                      </a:r>
-                      <a:endParaRPr lang="de-CH" sz="1400">
-                        <a:effectLst/>
-                        <a:latin typeface="Calibri" panose="020F0502020204030204" pitchFamily="34" charset="0"/>
-                        <a:ea typeface="MS Mincho" panose="02020609040205080304" pitchFamily="49" charset="-128"/>
-                        <a:cs typeface="Times New Roman" panose="02020603050405020304" pitchFamily="18" charset="0"/>
-                      </a:endParaRPr>
-                    </a:p>
-                  </a:txBody>
-                  <a:tcPr marL="68580" marR="68580" marT="0" marB="0"/>
-                </a:tc>
-              </a:tr>
-              <a:tr h="706004">
-                <a:tc>
-                  <a:txBody>
-                    <a:bodyPr/>
-                    <a:lstStyle/>
-                    <a:p>
-                      <a:pPr>
-                        <a:lnSpc>
-                          <a:spcPts val="1700"/>
-                        </a:lnSpc>
-                        <a:spcBef>
-                          <a:spcPts val="600"/>
-                        </a:spcBef>
-                        <a:spcAft>
-                          <a:spcPts val="600"/>
-                        </a:spcAft>
-                      </a:pPr>
-                      <a:r>
-                        <a:rPr lang="de-CH" sz="1400" dirty="0">
-                          <a:effectLst/>
-                        </a:rPr>
-                        <a:t>Auftraggeber</a:t>
                       </a:r>
                       <a:endParaRPr lang="de-CH" sz="1400" dirty="0">
                         <a:effectLst/>
@@ -7882,6 +7851,37 @@
                   </a:txBody>
                   <a:tcPr marL="68580" marR="68580" marT="0" marB="0"/>
                 </a:tc>
+              </a:tr>
+              <a:tr h="706004">
+                <a:tc>
+                  <a:txBody>
+                    <a:bodyPr/>
+                    <a:lstStyle/>
+                    <a:p>
+                      <a:pPr>
+                        <a:lnSpc>
+                          <a:spcPts val="1700"/>
+                        </a:lnSpc>
+                        <a:spcAft>
+                          <a:spcPts val="0"/>
+                        </a:spcAft>
+                      </a:pPr>
+                      <a:r>
+                        <a:rPr lang="de-CH" sz="1400" b="1" kern="1200" dirty="0">
+                          <a:solidFill>
+                            <a:schemeClr val="lt1"/>
+                          </a:solidFill>
+                          <a:effectLst/>
+                          <a:latin typeface="+mn-lt"/>
+                          <a:ea typeface="+mn-ea"/>
+                          <a:cs typeface="+mn-cs"/>
+                        </a:rPr>
+                        <a:t>Auftraggeber</a:t>
+                      </a:r>
+                    </a:p>
+                  </a:txBody>
+                  <a:tcPr marL="68580" marR="68580" marT="0" marB="0"/>
+                </a:tc>
                 <a:tc>
                   <a:txBody>
                     <a:bodyPr/>
@@ -7899,44 +7899,10 @@
                         </a:spcAft>
                       </a:pPr>
                       <a:r>
-                        <a:rPr lang="de-CH" sz="1400">
+                        <a:rPr lang="de-CH" sz="1400" dirty="0">
                           <a:effectLst/>
                         </a:rPr>
                         <a:t>LFH</a:t>
-                      </a:r>
-                      <a:endParaRPr lang="de-CH" sz="1400">
-                        <a:effectLst/>
-                        <a:latin typeface="Calibri" panose="020F0502020204030204" pitchFamily="34" charset="0"/>
-                        <a:ea typeface="MS Mincho" panose="02020609040205080304" pitchFamily="49" charset="-128"/>
-                        <a:cs typeface="Times New Roman" panose="02020603050405020304" pitchFamily="18" charset="0"/>
-                      </a:endParaRPr>
-                    </a:p>
-                  </a:txBody>
-                  <a:tcPr marL="68580" marR="68580" marT="0" marB="0"/>
-                </a:tc>
-              </a:tr>
-              <a:tr h="706004">
-                <a:tc>
-                  <a:txBody>
-                    <a:bodyPr/>
-                    <a:lstStyle/>
-                    <a:p>
-                      <a:pPr>
-                        <a:lnSpc>
-                          <a:spcPts val="1700"/>
-                        </a:lnSpc>
-                        <a:spcBef>
-                          <a:spcPts val="600"/>
-                        </a:spcBef>
-                        <a:spcAft>
-                          <a:spcPts val="600"/>
-                        </a:spcAft>
-                      </a:pPr>
-                      <a:r>
-                        <a:rPr lang="de-CH" sz="1400" dirty="0">
-                          <a:effectLst/>
-                        </a:rPr>
-                        <a:t>Projektleiter</a:t>
                       </a:r>
                       <a:endParaRPr lang="de-CH" sz="1400" dirty="0">
                         <a:effectLst/>
@@ -7948,6 +7914,37 @@
                   </a:txBody>
                   <a:tcPr marL="68580" marR="68580" marT="0" marB="0"/>
                 </a:tc>
+              </a:tr>
+              <a:tr h="706004">
+                <a:tc>
+                  <a:txBody>
+                    <a:bodyPr/>
+                    <a:lstStyle/>
+                    <a:p>
+                      <a:pPr>
+                        <a:lnSpc>
+                          <a:spcPts val="1700"/>
+                        </a:lnSpc>
+                        <a:spcAft>
+                          <a:spcPts val="0"/>
+                        </a:spcAft>
+                      </a:pPr>
+                      <a:r>
+                        <a:rPr lang="de-CH" sz="1400" b="1" kern="1200" dirty="0">
+                          <a:solidFill>
+                            <a:schemeClr val="lt1"/>
+                          </a:solidFill>
+                          <a:effectLst/>
+                          <a:latin typeface="+mn-lt"/>
+                          <a:ea typeface="+mn-ea"/>
+                          <a:cs typeface="+mn-cs"/>
+                        </a:rPr>
+                        <a:t>Projektleiter</a:t>
+                      </a:r>
+                    </a:p>
+                  </a:txBody>
+                  <a:tcPr marL="68580" marR="68580" marT="0" marB="0"/>
+                </a:tc>
                 <a:tc>
                   <a:txBody>
                     <a:bodyPr/>
@@ -7991,25 +7988,22 @@
                         <a:lnSpc>
                           <a:spcPts val="1700"/>
                         </a:lnSpc>
-                        <a:spcBef>
-                          <a:spcPts val="600"/>
-                        </a:spcBef>
-                        <a:spcAft>
-                          <a:spcPts val="600"/>
-                        </a:spcAft>
-                      </a:pPr>
-                      <a:r>
-                        <a:rPr lang="de-CH" sz="1400">
-                          <a:effectLst/>
+                        <a:spcAft>
+                          <a:spcPts val="0"/>
+                        </a:spcAft>
+                      </a:pPr>
+                      <a:r>
+                        <a:rPr lang="de-CH" sz="1400" b="1" kern="1200" dirty="0">
+                          <a:solidFill>
+                            <a:schemeClr val="lt1"/>
+                          </a:solidFill>
+                          <a:effectLst/>
+                          <a:latin typeface="+mn-lt"/>
+                          <a:ea typeface="+mn-ea"/>
+                          <a:cs typeface="+mn-cs"/>
                         </a:rPr>
                         <a:t>Fachspezialist</a:t>
                       </a:r>
-                      <a:endParaRPr lang="de-CH" sz="1400">
-                        <a:effectLst/>
-                        <a:latin typeface="Calibri" panose="020F0502020204030204" pitchFamily="34" charset="0"/>
-                        <a:ea typeface="MS Mincho" panose="02020609040205080304" pitchFamily="49" charset="-128"/>
-                        <a:cs typeface="Times New Roman" panose="02020603050405020304" pitchFamily="18" charset="0"/>
-                      </a:endParaRPr>
                     </a:p>
                   </a:txBody>
                   <a:tcPr marL="68580" marR="68580" marT="0" marB="0"/>
@@ -8057,25 +8051,22 @@
                         <a:lnSpc>
                           <a:spcPts val="1700"/>
                         </a:lnSpc>
-                        <a:spcBef>
-                          <a:spcPts val="600"/>
-                        </a:spcBef>
-                        <a:spcAft>
-                          <a:spcPts val="600"/>
-                        </a:spcAft>
-                      </a:pPr>
-                      <a:r>
-                        <a:rPr lang="de-CH" sz="1400">
-                          <a:effectLst/>
+                        <a:spcAft>
+                          <a:spcPts val="0"/>
+                        </a:spcAft>
+                      </a:pPr>
+                      <a:r>
+                        <a:rPr lang="de-CH" sz="1400" b="1" kern="1200" dirty="0">
+                          <a:solidFill>
+                            <a:schemeClr val="lt1"/>
+                          </a:solidFill>
+                          <a:effectLst/>
+                          <a:latin typeface="+mn-lt"/>
+                          <a:ea typeface="+mn-ea"/>
+                          <a:cs typeface="+mn-cs"/>
                         </a:rPr>
                         <a:t>Fachspezialist</a:t>
                       </a:r>
-                      <a:endParaRPr lang="de-CH" sz="1400">
-                        <a:effectLst/>
-                        <a:latin typeface="Calibri" panose="020F0502020204030204" pitchFamily="34" charset="0"/>
-                        <a:ea typeface="MS Mincho" panose="02020609040205080304" pitchFamily="49" charset="-128"/>
-                        <a:cs typeface="Times New Roman" panose="02020603050405020304" pitchFamily="18" charset="0"/>
-                      </a:endParaRPr>
                     </a:p>
                   </a:txBody>
                   <a:tcPr marL="68580" marR="68580" marT="0" marB="0"/>
@@ -8123,25 +8114,22 @@
                         <a:lnSpc>
                           <a:spcPts val="1700"/>
                         </a:lnSpc>
-                        <a:spcBef>
-                          <a:spcPts val="600"/>
-                        </a:spcBef>
-                        <a:spcAft>
-                          <a:spcPts val="600"/>
-                        </a:spcAft>
-                      </a:pPr>
-                      <a:r>
-                        <a:rPr lang="de-CH" sz="1400">
-                          <a:effectLst/>
-                        </a:rPr>
-                        <a:t>Fachspezialist</a:t>
-                      </a:r>
-                      <a:endParaRPr lang="de-CH" sz="1400">
-                        <a:effectLst/>
-                        <a:latin typeface="Calibri" panose="020F0502020204030204" pitchFamily="34" charset="0"/>
-                        <a:ea typeface="MS Mincho" panose="02020609040205080304" pitchFamily="49" charset="-128"/>
-                        <a:cs typeface="Times New Roman" panose="02020603050405020304" pitchFamily="18" charset="0"/>
-                      </a:endParaRPr>
+                        <a:spcAft>
+                          <a:spcPts val="0"/>
+                        </a:spcAft>
+                      </a:pPr>
+                      <a:r>
+                        <a:rPr lang="de-CH" sz="1400" b="1" kern="1200" dirty="0">
+                          <a:solidFill>
+                            <a:schemeClr val="lt1"/>
+                          </a:solidFill>
+                          <a:effectLst/>
+                          <a:latin typeface="+mn-lt"/>
+                          <a:ea typeface="+mn-ea"/>
+                          <a:cs typeface="+mn-cs"/>
+                        </a:rPr>
+                        <a:t>Qualitätssicherung</a:t>
+                      </a:r>
                     </a:p>
                   </a:txBody>
                   <a:tcPr marL="68580" marR="68580" marT="0" marB="0"/>
@@ -8257,7 +8245,7 @@
             <p:ph idx="1"/>
             <p:extLst>
               <p:ext uri="{D42A27DB-BD31-4B8C-83A1-F6EECF244321}">
-                <p14:modId xmlns:p14="http://schemas.microsoft.com/office/powerpoint/2010/main" val="2874665125"/>
+                <p14:modId xmlns:p14="http://schemas.microsoft.com/office/powerpoint/2010/main" val="1535810219"/>
               </p:ext>
             </p:extLst>
           </p:nvPr>
@@ -8352,6 +8340,35 @@
                         <a:lnSpc>
                           <a:spcPts val="1700"/>
                         </a:lnSpc>
+                        <a:spcAft>
+                          <a:spcPts val="0"/>
+                        </a:spcAft>
+                      </a:pPr>
+                      <a:r>
+                        <a:rPr lang="de-CH" sz="1400" b="1" kern="1200" dirty="0">
+                          <a:solidFill>
+                            <a:schemeClr val="lt1"/>
+                          </a:solidFill>
+                          <a:effectLst/>
+                          <a:latin typeface="+mn-lt"/>
+                          <a:ea typeface="+mn-ea"/>
+                          <a:cs typeface="+mn-cs"/>
+                        </a:rPr>
+                        <a:t>Auftraggeber</a:t>
+                      </a:r>
+                    </a:p>
+                  </a:txBody>
+                  <a:tcPr marL="68580" marR="68580" marT="0" marB="0"/>
+                </a:tc>
+                <a:tc>
+                  <a:txBody>
+                    <a:bodyPr/>
+                    <a:lstStyle/>
+                    <a:p>
+                      <a:pPr>
+                        <a:lnSpc>
+                          <a:spcPts val="1700"/>
+                        </a:lnSpc>
                         <a:spcBef>
                           <a:spcPts val="600"/>
                         </a:spcBef>
@@ -8360,10 +8377,73 @@
                         </a:spcAft>
                       </a:pPr>
                       <a:r>
+                        <a:rPr lang="de-CH" sz="1400">
+                          <a:effectLst/>
+                        </a:rPr>
+                        <a:t>LFH</a:t>
+                      </a:r>
+                      <a:endParaRPr lang="de-CH" sz="1400">
+                        <a:effectLst/>
+                        <a:latin typeface="Calibri" panose="020F0502020204030204" pitchFamily="34" charset="0"/>
+                        <a:ea typeface="MS Mincho" panose="02020609040205080304" pitchFamily="49" charset="-128"/>
+                        <a:cs typeface="Times New Roman" panose="02020603050405020304" pitchFamily="18" charset="0"/>
+                      </a:endParaRPr>
+                    </a:p>
+                  </a:txBody>
+                  <a:tcPr marL="68580" marR="68580" marT="0" marB="0"/>
+                </a:tc>
+              </a:tr>
+              <a:tr h="706004">
+                <a:tc>
+                  <a:txBody>
+                    <a:bodyPr/>
+                    <a:lstStyle/>
+                    <a:p>
+                      <a:pPr>
+                        <a:lnSpc>
+                          <a:spcPts val="1700"/>
+                        </a:lnSpc>
+                        <a:spcAft>
+                          <a:spcPts val="0"/>
+                        </a:spcAft>
+                      </a:pPr>
+                      <a:r>
+                        <a:rPr lang="de-CH" sz="1400" b="1" kern="1200" dirty="0">
+                          <a:solidFill>
+                            <a:schemeClr val="lt1"/>
+                          </a:solidFill>
+                          <a:effectLst/>
+                          <a:latin typeface="+mn-lt"/>
+                          <a:ea typeface="+mn-ea"/>
+                          <a:cs typeface="+mn-cs"/>
+                        </a:rPr>
+                        <a:t>Projektleiter</a:t>
+                      </a:r>
+                    </a:p>
+                  </a:txBody>
+                  <a:tcPr marL="68580" marR="68580" marT="0" marB="0"/>
+                </a:tc>
+                <a:tc>
+                  <a:txBody>
+                    <a:bodyPr/>
+                    <a:lstStyle/>
+                    <a:p>
+                      <a:pPr>
+                        <a:lnSpc>
+                          <a:spcPts val="1700"/>
+                        </a:lnSpc>
+                        <a:spcBef>
+                          <a:spcPts val="600"/>
+                        </a:spcBef>
+                        <a:spcAft>
+                          <a:spcPts val="600"/>
+                        </a:spcAft>
+                      </a:pPr>
+                      <a:r>
                         <a:rPr lang="de-CH" sz="1400" dirty="0">
                           <a:effectLst/>
                         </a:rPr>
-                        <a:t>Auftraggeber</a:t>
+                        <a:t>Sandro Dallo</a:t>
                       </a:r>
                       <a:endParaRPr lang="de-CH" sz="1400" dirty="0">
                         <a:effectLst/>
@@ -8375,6 +8455,37 @@
                   </a:txBody>
                   <a:tcPr marL="68580" marR="68580" marT="0" marB="0"/>
                 </a:tc>
+              </a:tr>
+              <a:tr h="706004">
+                <a:tc>
+                  <a:txBody>
+                    <a:bodyPr/>
+                    <a:lstStyle/>
+                    <a:p>
+                      <a:pPr>
+                        <a:lnSpc>
+                          <a:spcPts val="1700"/>
+                        </a:lnSpc>
+                        <a:spcAft>
+                          <a:spcPts val="0"/>
+                        </a:spcAft>
+                      </a:pPr>
+                      <a:r>
+                        <a:rPr lang="de-CH" sz="1400" b="1" kern="1200" dirty="0">
+                          <a:solidFill>
+                            <a:schemeClr val="lt1"/>
+                          </a:solidFill>
+                          <a:effectLst/>
+                          <a:latin typeface="+mn-lt"/>
+                          <a:ea typeface="+mn-ea"/>
+                          <a:cs typeface="+mn-cs"/>
+                        </a:rPr>
+                        <a:t>Entwickler</a:t>
+                      </a:r>
+                    </a:p>
+                  </a:txBody>
+                  <a:tcPr marL="68580" marR="68580" marT="0" marB="0"/>
+                </a:tc>
                 <a:tc>
                   <a:txBody>
                     <a:bodyPr/>
@@ -8392,44 +8503,10 @@
                         </a:spcAft>
                       </a:pPr>
                       <a:r>
-                        <a:rPr lang="de-CH" sz="1400">
-                          <a:effectLst/>
-                        </a:rPr>
-                        <a:t>LFH</a:t>
-                      </a:r>
-                      <a:endParaRPr lang="de-CH" sz="1400">
-                        <a:effectLst/>
-                        <a:latin typeface="Calibri" panose="020F0502020204030204" pitchFamily="34" charset="0"/>
-                        <a:ea typeface="MS Mincho" panose="02020609040205080304" pitchFamily="49" charset="-128"/>
-                        <a:cs typeface="Times New Roman" panose="02020603050405020304" pitchFamily="18" charset="0"/>
-                      </a:endParaRPr>
-                    </a:p>
-                  </a:txBody>
-                  <a:tcPr marL="68580" marR="68580" marT="0" marB="0"/>
-                </a:tc>
-              </a:tr>
-              <a:tr h="706004">
-                <a:tc>
-                  <a:txBody>
-                    <a:bodyPr/>
-                    <a:lstStyle/>
-                    <a:p>
-                      <a:pPr>
-                        <a:lnSpc>
-                          <a:spcPts val="1700"/>
-                        </a:lnSpc>
-                        <a:spcBef>
-                          <a:spcPts val="600"/>
-                        </a:spcBef>
-                        <a:spcAft>
-                          <a:spcPts val="600"/>
-                        </a:spcAft>
-                      </a:pPr>
-                      <a:r>
                         <a:rPr lang="de-CH" sz="1400" dirty="0">
                           <a:effectLst/>
                         </a:rPr>
-                        <a:t>Projektleiter</a:t>
+                        <a:t>Jonas Alder</a:t>
                       </a:r>
                       <a:endParaRPr lang="de-CH" sz="1400" dirty="0">
                         <a:effectLst/>
@@ -8441,6 +8518,37 @@
                   </a:txBody>
                   <a:tcPr marL="68580" marR="68580" marT="0" marB="0"/>
                 </a:tc>
+              </a:tr>
+              <a:tr h="706004">
+                <a:tc>
+                  <a:txBody>
+                    <a:bodyPr/>
+                    <a:lstStyle/>
+                    <a:p>
+                      <a:pPr>
+                        <a:lnSpc>
+                          <a:spcPts val="1700"/>
+                        </a:lnSpc>
+                        <a:spcAft>
+                          <a:spcPts val="0"/>
+                        </a:spcAft>
+                      </a:pPr>
+                      <a:r>
+                        <a:rPr lang="de-CH" sz="1400" b="1" kern="1200" dirty="0">
+                          <a:solidFill>
+                            <a:schemeClr val="lt1"/>
+                          </a:solidFill>
+                          <a:effectLst/>
+                          <a:latin typeface="+mn-lt"/>
+                          <a:ea typeface="+mn-ea"/>
+                          <a:cs typeface="+mn-cs"/>
+                        </a:rPr>
+                        <a:t>Entwickler</a:t>
+                      </a:r>
+                    </a:p>
+                  </a:txBody>
+                  <a:tcPr marL="68580" marR="68580" marT="0" marB="0"/>
+                </a:tc>
                 <a:tc>
                   <a:txBody>
                     <a:bodyPr/>
@@ -8461,7 +8569,7 @@
                         <a:rPr lang="de-CH" sz="1400" dirty="0">
                           <a:effectLst/>
                         </a:rPr>
-                        <a:t>Sandro Dallo</a:t>
+                        <a:t>Andy Villiger</a:t>
                       </a:r>
                       <a:endParaRPr lang="de-CH" sz="1400" dirty="0">
                         <a:effectLst/>
@@ -8484,157 +8592,22 @@
                         <a:lnSpc>
                           <a:spcPts val="1700"/>
                         </a:lnSpc>
-                        <a:spcBef>
-                          <a:spcPts val="600"/>
-                        </a:spcBef>
-                        <a:spcAft>
-                          <a:spcPts val="600"/>
-                        </a:spcAft>
-                      </a:pPr>
-                      <a:r>
-                        <a:rPr lang="de-CH" sz="1400">
-                          <a:effectLst/>
-                        </a:rPr>
-                        <a:t>Fachspezialist</a:t>
-                      </a:r>
-                      <a:endParaRPr lang="de-CH" sz="1400">
-                        <a:effectLst/>
-                        <a:latin typeface="Calibri" panose="020F0502020204030204" pitchFamily="34" charset="0"/>
-                        <a:ea typeface="MS Mincho" panose="02020609040205080304" pitchFamily="49" charset="-128"/>
-                        <a:cs typeface="Times New Roman" panose="02020603050405020304" pitchFamily="18" charset="0"/>
-                      </a:endParaRPr>
-                    </a:p>
-                  </a:txBody>
-                  <a:tcPr marL="68580" marR="68580" marT="0" marB="0"/>
-                </a:tc>
-                <a:tc>
-                  <a:txBody>
-                    <a:bodyPr/>
-                    <a:lstStyle/>
-                    <a:p>
-                      <a:pPr>
-                        <a:lnSpc>
-                          <a:spcPts val="1700"/>
-                        </a:lnSpc>
-                        <a:spcBef>
-                          <a:spcPts val="600"/>
-                        </a:spcBef>
-                        <a:spcAft>
-                          <a:spcPts val="600"/>
-                        </a:spcAft>
-                      </a:pPr>
-                      <a:r>
-                        <a:rPr lang="de-CH" sz="1400" dirty="0">
-                          <a:effectLst/>
-                        </a:rPr>
-                        <a:t>Jonas Alder</a:t>
-                      </a:r>
-                      <a:endParaRPr lang="de-CH" sz="1400" dirty="0">
-                        <a:effectLst/>
-                        <a:latin typeface="Calibri" panose="020F0502020204030204" pitchFamily="34" charset="0"/>
-                        <a:ea typeface="MS Mincho" panose="02020609040205080304" pitchFamily="49" charset="-128"/>
-                        <a:cs typeface="Times New Roman" panose="02020603050405020304" pitchFamily="18" charset="0"/>
-                      </a:endParaRPr>
-                    </a:p>
-                  </a:txBody>
-                  <a:tcPr marL="68580" marR="68580" marT="0" marB="0"/>
-                </a:tc>
-              </a:tr>
-              <a:tr h="706004">
-                <a:tc>
-                  <a:txBody>
-                    <a:bodyPr/>
-                    <a:lstStyle/>
-                    <a:p>
-                      <a:pPr>
-                        <a:lnSpc>
-                          <a:spcPts val="1700"/>
-                        </a:lnSpc>
-                        <a:spcBef>
-                          <a:spcPts val="600"/>
-                        </a:spcBef>
-                        <a:spcAft>
-                          <a:spcPts val="600"/>
-                        </a:spcAft>
-                      </a:pPr>
-                      <a:r>
-                        <a:rPr lang="de-CH" sz="1400">
-                          <a:effectLst/>
-                        </a:rPr>
-                        <a:t>Fachspezialist</a:t>
-                      </a:r>
-                      <a:endParaRPr lang="de-CH" sz="1400">
-                        <a:effectLst/>
-                        <a:latin typeface="Calibri" panose="020F0502020204030204" pitchFamily="34" charset="0"/>
-                        <a:ea typeface="MS Mincho" panose="02020609040205080304" pitchFamily="49" charset="-128"/>
-                        <a:cs typeface="Times New Roman" panose="02020603050405020304" pitchFamily="18" charset="0"/>
-                      </a:endParaRPr>
-                    </a:p>
-                  </a:txBody>
-                  <a:tcPr marL="68580" marR="68580" marT="0" marB="0"/>
-                </a:tc>
-                <a:tc>
-                  <a:txBody>
-                    <a:bodyPr/>
-                    <a:lstStyle/>
-                    <a:p>
-                      <a:pPr>
-                        <a:lnSpc>
-                          <a:spcPts val="1700"/>
-                        </a:lnSpc>
-                        <a:spcBef>
-                          <a:spcPts val="600"/>
-                        </a:spcBef>
-                        <a:spcAft>
-                          <a:spcPts val="600"/>
-                        </a:spcAft>
-                      </a:pPr>
-                      <a:r>
-                        <a:rPr lang="de-CH" sz="1400" dirty="0">
-                          <a:effectLst/>
-                        </a:rPr>
-                        <a:t>Andy Villiger</a:t>
-                      </a:r>
-                      <a:endParaRPr lang="de-CH" sz="1400" dirty="0">
-                        <a:effectLst/>
-                        <a:latin typeface="Calibri" panose="020F0502020204030204" pitchFamily="34" charset="0"/>
-                        <a:ea typeface="MS Mincho" panose="02020609040205080304" pitchFamily="49" charset="-128"/>
-                        <a:cs typeface="Times New Roman" panose="02020603050405020304" pitchFamily="18" charset="0"/>
-                      </a:endParaRPr>
-                    </a:p>
-                  </a:txBody>
-                  <a:tcPr marL="68580" marR="68580" marT="0" marB="0"/>
-                </a:tc>
-              </a:tr>
-              <a:tr h="706004">
-                <a:tc>
-                  <a:txBody>
-                    <a:bodyPr/>
-                    <a:lstStyle/>
-                    <a:p>
-                      <a:pPr>
-                        <a:lnSpc>
-                          <a:spcPts val="1700"/>
-                        </a:lnSpc>
-                        <a:spcBef>
-                          <a:spcPts val="600"/>
-                        </a:spcBef>
-                        <a:spcAft>
-                          <a:spcPts val="600"/>
-                        </a:spcAft>
-                      </a:pPr>
-                      <a:r>
-                        <a:rPr lang="de-CH" sz="1400">
-                          <a:effectLst/>
-                        </a:rPr>
-                        <a:t>Fachspezialist</a:t>
-                      </a:r>
-                      <a:endParaRPr lang="de-CH" sz="1400">
-                        <a:effectLst/>
-                        <a:latin typeface="Calibri" panose="020F0502020204030204" pitchFamily="34" charset="0"/>
-                        <a:ea typeface="MS Mincho" panose="02020609040205080304" pitchFamily="49" charset="-128"/>
-                        <a:cs typeface="Times New Roman" panose="02020603050405020304" pitchFamily="18" charset="0"/>
-                      </a:endParaRPr>
+                        <a:spcAft>
+                          <a:spcPts val="0"/>
+                        </a:spcAft>
+                      </a:pPr>
+                      <a:r>
+                        <a:rPr lang="de-CH" sz="1400" b="1" kern="1200" dirty="0">
+                          <a:solidFill>
+                            <a:schemeClr val="lt1"/>
+                          </a:solidFill>
+                          <a:effectLst/>
+                          <a:latin typeface="+mn-lt"/>
+                          <a:ea typeface="+mn-ea"/>
+                          <a:cs typeface="+mn-cs"/>
+                        </a:rPr>
+                        <a:t>Qualitätssicherung</a:t>
+                      </a:r>
                     </a:p>
                   </a:txBody>
                   <a:tcPr marL="68580" marR="68580" marT="0" marB="0"/>
@@ -8750,7 +8723,7 @@
             <p:ph idx="1"/>
             <p:extLst>
               <p:ext uri="{D42A27DB-BD31-4B8C-83A1-F6EECF244321}">
-                <p14:modId xmlns:p14="http://schemas.microsoft.com/office/powerpoint/2010/main" val="3919101699"/>
+                <p14:modId xmlns:p14="http://schemas.microsoft.com/office/powerpoint/2010/main" val="3976309839"/>
               </p:ext>
             </p:extLst>
           </p:nvPr>
@@ -8845,6 +8818,35 @@
                         <a:lnSpc>
                           <a:spcPts val="1700"/>
                         </a:lnSpc>
+                        <a:spcAft>
+                          <a:spcPts val="0"/>
+                        </a:spcAft>
+                      </a:pPr>
+                      <a:r>
+                        <a:rPr lang="de-CH" sz="1400" b="1" kern="1200" dirty="0">
+                          <a:solidFill>
+                            <a:schemeClr val="lt1"/>
+                          </a:solidFill>
+                          <a:effectLst/>
+                          <a:latin typeface="+mn-lt"/>
+                          <a:ea typeface="+mn-ea"/>
+                          <a:cs typeface="+mn-cs"/>
+                        </a:rPr>
+                        <a:t>Auftraggeber</a:t>
+                      </a:r>
+                    </a:p>
+                  </a:txBody>
+                  <a:tcPr marL="68580" marR="68580" marT="0" marB="0"/>
+                </a:tc>
+                <a:tc>
+                  <a:txBody>
+                    <a:bodyPr/>
+                    <a:lstStyle/>
+                    <a:p>
+                      <a:pPr>
+                        <a:lnSpc>
+                          <a:spcPts val="1700"/>
+                        </a:lnSpc>
                         <a:spcBef>
                           <a:spcPts val="600"/>
                         </a:spcBef>
@@ -8856,7 +8858,7 @@
                         <a:rPr lang="de-CH" sz="1400">
                           <a:effectLst/>
                         </a:rPr>
-                        <a:t>Auftraggeber</a:t>
+                        <a:t>LFH</a:t>
                       </a:r>
                       <a:endParaRPr lang="de-CH" sz="1400">
                         <a:effectLst/>
@@ -8868,6 +8870,37 @@
                   </a:txBody>
                   <a:tcPr marL="68580" marR="68580" marT="0" marB="0"/>
                 </a:tc>
+              </a:tr>
+              <a:tr h="706004">
+                <a:tc>
+                  <a:txBody>
+                    <a:bodyPr/>
+                    <a:lstStyle/>
+                    <a:p>
+                      <a:pPr>
+                        <a:lnSpc>
+                          <a:spcPts val="1700"/>
+                        </a:lnSpc>
+                        <a:spcAft>
+                          <a:spcPts val="0"/>
+                        </a:spcAft>
+                      </a:pPr>
+                      <a:r>
+                        <a:rPr lang="de-CH" sz="1400" b="1" kern="1200" dirty="0">
+                          <a:solidFill>
+                            <a:schemeClr val="lt1"/>
+                          </a:solidFill>
+                          <a:effectLst/>
+                          <a:latin typeface="+mn-lt"/>
+                          <a:ea typeface="+mn-ea"/>
+                          <a:cs typeface="+mn-cs"/>
+                        </a:rPr>
+                        <a:t>Projektleiter</a:t>
+                      </a:r>
+                    </a:p>
+                  </a:txBody>
+                  <a:tcPr marL="68580" marR="68580" marT="0" marB="0"/>
+                </a:tc>
                 <a:tc>
                   <a:txBody>
                     <a:bodyPr/>
@@ -8888,7 +8921,7 @@
                         <a:rPr lang="de-CH" sz="1400">
                           <a:effectLst/>
                         </a:rPr>
-                        <a:t>LFH</a:t>
+                        <a:t>Jonas Alder</a:t>
                       </a:r>
                       <a:endParaRPr lang="de-CH" sz="1400">
                         <a:effectLst/>
@@ -8911,6 +8944,35 @@
                         <a:lnSpc>
                           <a:spcPts val="1700"/>
                         </a:lnSpc>
+                        <a:spcAft>
+                          <a:spcPts val="0"/>
+                        </a:spcAft>
+                      </a:pPr>
+                      <a:r>
+                        <a:rPr lang="de-CH" sz="1400" b="1" kern="1200" dirty="0">
+                          <a:solidFill>
+                            <a:schemeClr val="lt1"/>
+                          </a:solidFill>
+                          <a:effectLst/>
+                          <a:latin typeface="+mn-lt"/>
+                          <a:ea typeface="+mn-ea"/>
+                          <a:cs typeface="+mn-cs"/>
+                        </a:rPr>
+                        <a:t>Tester</a:t>
+                      </a:r>
+                    </a:p>
+                  </a:txBody>
+                  <a:tcPr marL="68580" marR="68580" marT="0" marB="0"/>
+                </a:tc>
+                <a:tc>
+                  <a:txBody>
+                    <a:bodyPr/>
+                    <a:lstStyle/>
+                    <a:p>
+                      <a:pPr>
+                        <a:lnSpc>
+                          <a:spcPts val="1700"/>
+                        </a:lnSpc>
                         <a:spcBef>
                           <a:spcPts val="600"/>
                         </a:spcBef>
@@ -8922,7 +8984,7 @@
                         <a:rPr lang="de-CH" sz="1400">
                           <a:effectLst/>
                         </a:rPr>
-                        <a:t>Projektleiter</a:t>
+                        <a:t>Sandro Dallo</a:t>
                       </a:r>
                       <a:endParaRPr lang="de-CH" sz="1400">
                         <a:effectLst/>
@@ -8934,6 +8996,37 @@
                   </a:txBody>
                   <a:tcPr marL="68580" marR="68580" marT="0" marB="0"/>
                 </a:tc>
+              </a:tr>
+              <a:tr h="706004">
+                <a:tc>
+                  <a:txBody>
+                    <a:bodyPr/>
+                    <a:lstStyle/>
+                    <a:p>
+                      <a:pPr>
+                        <a:lnSpc>
+                          <a:spcPts val="1700"/>
+                        </a:lnSpc>
+                        <a:spcAft>
+                          <a:spcPts val="0"/>
+                        </a:spcAft>
+                      </a:pPr>
+                      <a:r>
+                        <a:rPr lang="de-CH" sz="1400" b="1" kern="1200" dirty="0">
+                          <a:solidFill>
+                            <a:schemeClr val="lt1"/>
+                          </a:solidFill>
+                          <a:effectLst/>
+                          <a:latin typeface="+mn-lt"/>
+                          <a:ea typeface="+mn-ea"/>
+                          <a:cs typeface="+mn-cs"/>
+                        </a:rPr>
+                        <a:t>Tester</a:t>
+                      </a:r>
+                    </a:p>
+                  </a:txBody>
+                  <a:tcPr marL="68580" marR="68580" marT="0" marB="0"/>
+                </a:tc>
                 <a:tc>
                   <a:txBody>
                     <a:bodyPr/>
@@ -8954,7 +9047,7 @@
                         <a:rPr lang="de-CH" sz="1400">
                           <a:effectLst/>
                         </a:rPr>
-                        <a:t>Jonas Alder</a:t>
+                        <a:t>Patrick Bösch</a:t>
                       </a:r>
                       <a:endParaRPr lang="de-CH" sz="1400">
                         <a:effectLst/>
@@ -8977,157 +9070,22 @@
                         <a:lnSpc>
                           <a:spcPts val="1700"/>
                         </a:lnSpc>
-                        <a:spcBef>
-                          <a:spcPts val="600"/>
-                        </a:spcBef>
-                        <a:spcAft>
-                          <a:spcPts val="600"/>
-                        </a:spcAft>
-                      </a:pPr>
-                      <a:r>
-                        <a:rPr lang="de-CH" sz="1400">
-                          <a:effectLst/>
-                        </a:rPr>
-                        <a:t>Fachspezialist</a:t>
-                      </a:r>
-                      <a:endParaRPr lang="de-CH" sz="1400">
-                        <a:effectLst/>
-                        <a:latin typeface="Calibri" panose="020F0502020204030204" pitchFamily="34" charset="0"/>
-                        <a:ea typeface="MS Mincho" panose="02020609040205080304" pitchFamily="49" charset="-128"/>
-                        <a:cs typeface="Times New Roman" panose="02020603050405020304" pitchFamily="18" charset="0"/>
-                      </a:endParaRPr>
-                    </a:p>
-                  </a:txBody>
-                  <a:tcPr marL="68580" marR="68580" marT="0" marB="0"/>
-                </a:tc>
-                <a:tc>
-                  <a:txBody>
-                    <a:bodyPr/>
-                    <a:lstStyle/>
-                    <a:p>
-                      <a:pPr>
-                        <a:lnSpc>
-                          <a:spcPts val="1700"/>
-                        </a:lnSpc>
-                        <a:spcBef>
-                          <a:spcPts val="600"/>
-                        </a:spcBef>
-                        <a:spcAft>
-                          <a:spcPts val="600"/>
-                        </a:spcAft>
-                      </a:pPr>
-                      <a:r>
-                        <a:rPr lang="de-CH" sz="1400">
-                          <a:effectLst/>
-                        </a:rPr>
-                        <a:t>Sandro Dallo</a:t>
-                      </a:r>
-                      <a:endParaRPr lang="de-CH" sz="1400">
-                        <a:effectLst/>
-                        <a:latin typeface="Calibri" panose="020F0502020204030204" pitchFamily="34" charset="0"/>
-                        <a:ea typeface="MS Mincho" panose="02020609040205080304" pitchFamily="49" charset="-128"/>
-                        <a:cs typeface="Times New Roman" panose="02020603050405020304" pitchFamily="18" charset="0"/>
-                      </a:endParaRPr>
-                    </a:p>
-                  </a:txBody>
-                  <a:tcPr marL="68580" marR="68580" marT="0" marB="0"/>
-                </a:tc>
-              </a:tr>
-              <a:tr h="706004">
-                <a:tc>
-                  <a:txBody>
-                    <a:bodyPr/>
-                    <a:lstStyle/>
-                    <a:p>
-                      <a:pPr>
-                        <a:lnSpc>
-                          <a:spcPts val="1700"/>
-                        </a:lnSpc>
-                        <a:spcBef>
-                          <a:spcPts val="600"/>
-                        </a:spcBef>
-                        <a:spcAft>
-                          <a:spcPts val="600"/>
-                        </a:spcAft>
-                      </a:pPr>
-                      <a:r>
-                        <a:rPr lang="de-CH" sz="1400">
-                          <a:effectLst/>
-                        </a:rPr>
-                        <a:t>Fachspezialist</a:t>
-                      </a:r>
-                      <a:endParaRPr lang="de-CH" sz="1400">
-                        <a:effectLst/>
-                        <a:latin typeface="Calibri" panose="020F0502020204030204" pitchFamily="34" charset="0"/>
-                        <a:ea typeface="MS Mincho" panose="02020609040205080304" pitchFamily="49" charset="-128"/>
-                        <a:cs typeface="Times New Roman" panose="02020603050405020304" pitchFamily="18" charset="0"/>
-                      </a:endParaRPr>
-                    </a:p>
-                  </a:txBody>
-                  <a:tcPr marL="68580" marR="68580" marT="0" marB="0"/>
-                </a:tc>
-                <a:tc>
-                  <a:txBody>
-                    <a:bodyPr/>
-                    <a:lstStyle/>
-                    <a:p>
-                      <a:pPr>
-                        <a:lnSpc>
-                          <a:spcPts val="1700"/>
-                        </a:lnSpc>
-                        <a:spcBef>
-                          <a:spcPts val="600"/>
-                        </a:spcBef>
-                        <a:spcAft>
-                          <a:spcPts val="600"/>
-                        </a:spcAft>
-                      </a:pPr>
-                      <a:r>
-                        <a:rPr lang="de-CH" sz="1400">
-                          <a:effectLst/>
-                        </a:rPr>
-                        <a:t>Patrick Bösch</a:t>
-                      </a:r>
-                      <a:endParaRPr lang="de-CH" sz="1400">
-                        <a:effectLst/>
-                        <a:latin typeface="Calibri" panose="020F0502020204030204" pitchFamily="34" charset="0"/>
-                        <a:ea typeface="MS Mincho" panose="02020609040205080304" pitchFamily="49" charset="-128"/>
-                        <a:cs typeface="Times New Roman" panose="02020603050405020304" pitchFamily="18" charset="0"/>
-                      </a:endParaRPr>
-                    </a:p>
-                  </a:txBody>
-                  <a:tcPr marL="68580" marR="68580" marT="0" marB="0"/>
-                </a:tc>
-              </a:tr>
-              <a:tr h="706004">
-                <a:tc>
-                  <a:txBody>
-                    <a:bodyPr/>
-                    <a:lstStyle/>
-                    <a:p>
-                      <a:pPr>
-                        <a:lnSpc>
-                          <a:spcPts val="1700"/>
-                        </a:lnSpc>
-                        <a:spcBef>
-                          <a:spcPts val="600"/>
-                        </a:spcBef>
-                        <a:spcAft>
-                          <a:spcPts val="600"/>
-                        </a:spcAft>
-                      </a:pPr>
-                      <a:r>
-                        <a:rPr lang="de-CH" sz="1400">
-                          <a:effectLst/>
-                        </a:rPr>
-                        <a:t>Fachspezialist</a:t>
-                      </a:r>
-                      <a:endParaRPr lang="de-CH" sz="1400">
-                        <a:effectLst/>
-                        <a:latin typeface="Calibri" panose="020F0502020204030204" pitchFamily="34" charset="0"/>
-                        <a:ea typeface="MS Mincho" panose="02020609040205080304" pitchFamily="49" charset="-128"/>
-                        <a:cs typeface="Times New Roman" panose="02020603050405020304" pitchFamily="18" charset="0"/>
-                      </a:endParaRPr>
+                        <a:spcAft>
+                          <a:spcPts val="0"/>
+                        </a:spcAft>
+                      </a:pPr>
+                      <a:r>
+                        <a:rPr lang="de-CH" sz="1400" b="1" kern="1200" dirty="0">
+                          <a:solidFill>
+                            <a:schemeClr val="lt1"/>
+                          </a:solidFill>
+                          <a:effectLst/>
+                          <a:latin typeface="+mn-lt"/>
+                          <a:ea typeface="+mn-ea"/>
+                          <a:cs typeface="+mn-cs"/>
+                        </a:rPr>
+                        <a:t>Qualitätssicherung</a:t>
+                      </a:r>
                     </a:p>
                   </a:txBody>
                   <a:tcPr marL="68580" marR="68580" marT="0" marB="0"/>
@@ -9357,14 +9315,12 @@
               <a:rPr lang="de-CH" dirty="0" smtClean="0"/>
               <a:t>Status Lieferobjekte</a:t>
             </a:r>
-            <a:endParaRPr lang="de-CH" dirty="0" smtClean="0"/>
           </a:p>
           <a:p>
             <a:r>
               <a:rPr lang="de-CH" dirty="0" smtClean="0"/>
               <a:t>Status Qualität</a:t>
             </a:r>
-            <a:endParaRPr lang="de-CH" dirty="0" smtClean="0"/>
           </a:p>
           <a:p>
             <a:r>
@@ -9377,7 +9333,6 @@
               <a:rPr lang="de-CH" dirty="0" smtClean="0"/>
               <a:t>Rollenverteilung</a:t>
             </a:r>
-            <a:endParaRPr lang="de-CH" dirty="0" smtClean="0"/>
           </a:p>
           <a:p>
             <a:pPr marL="0" indent="0">
@@ -10439,6 +10394,13 @@
   <p:clrMapOvr>
     <a:masterClrMapping/>
   </p:clrMapOvr>
+  <p:timing>
+    <p:tnLst>
+      <p:par>
+        <p:cTn id="1" dur="indefinite" restart="never" nodeType="tmRoot"/>
+      </p:par>
+    </p:tnLst>
+  </p:timing>
 </p:sld>
 </file>
 
@@ -13966,6 +13928,13 @@
   <p:clrMapOvr>
     <a:masterClrMapping/>
   </p:clrMapOvr>
+  <p:timing>
+    <p:tnLst>
+      <p:par>
+        <p:cTn id="1" dur="indefinite" restart="never" nodeType="tmRoot"/>
+      </p:par>
+    </p:tnLst>
+  </p:timing>
 </p:sld>
 </file>
 
@@ -14445,6 +14414,13 @@
   <p:clrMapOvr>
     <a:masterClrMapping/>
   </p:clrMapOvr>
+  <p:timing>
+    <p:tnLst>
+      <p:par>
+        <p:cTn id="1" dur="indefinite" restart="never" nodeType="tmRoot"/>
+      </p:par>
+    </p:tnLst>
+  </p:timing>
 </p:sld>
 </file>
 
@@ -14497,14 +14473,14 @@
             <p:ph idx="1"/>
             <p:extLst>
               <p:ext uri="{D42A27DB-BD31-4B8C-83A1-F6EECF244321}">
-                <p14:modId xmlns:p14="http://schemas.microsoft.com/office/powerpoint/2010/main" val="2283690250"/>
+                <p14:modId xmlns:p14="http://schemas.microsoft.com/office/powerpoint/2010/main" val="1415783615"/>
               </p:ext>
             </p:extLst>
           </p:nvPr>
         </p:nvGraphicFramePr>
         <p:xfrm>
-          <a:off x="2753591" y="2036617"/>
-          <a:ext cx="8530935" cy="3823854"/>
+          <a:off x="2592925" y="1905000"/>
+          <a:ext cx="8748000" cy="4237200"/>
         </p:xfrm>
         <a:graphic>
           <a:graphicData uri="http://schemas.openxmlformats.org/drawingml/2006/table">
@@ -14513,10 +14489,10 @@
                 <a:tableStyleId>{F5AB1C69-6EDB-4FF4-983F-18BD219EF322}</a:tableStyleId>
               </a:tblPr>
               <a:tblGrid>
-                <a:gridCol w="2376468"/>
-                <a:gridCol w="6154467"/>
+                <a:gridCol w="2436936"/>
+                <a:gridCol w="6311064"/>
               </a:tblGrid>
-              <a:tr h="637309">
+              <a:tr h="706200">
                 <a:tc>
                   <a:txBody>
                     <a:bodyPr/>
@@ -14582,7 +14558,7 @@
                   <a:tcPr marL="68580" marR="68580" marT="0" marB="0"/>
                 </a:tc>
               </a:tr>
-              <a:tr h="637309">
+              <a:tr h="706200">
                 <a:tc>
                   <a:txBody>
                     <a:bodyPr/>
@@ -14648,7 +14624,7 @@
                   <a:tcPr marL="68580" marR="68580" marT="0" marB="0"/>
                 </a:tc>
               </a:tr>
-              <a:tr h="637309">
+              <a:tr h="706200">
                 <a:tc>
                   <a:txBody>
                     <a:bodyPr/>
@@ -14714,7 +14690,7 @@
                   <a:tcPr marL="68580" marR="68580" marT="0" marB="0"/>
                 </a:tc>
               </a:tr>
-              <a:tr h="637309">
+              <a:tr h="706200">
                 <a:tc>
                   <a:txBody>
                     <a:bodyPr/>
@@ -14780,7 +14756,7 @@
                   <a:tcPr marL="68580" marR="68580" marT="0" marB="0"/>
                 </a:tc>
               </a:tr>
-              <a:tr h="637309">
+              <a:tr h="706200">
                 <a:tc>
                   <a:txBody>
                     <a:bodyPr/>
@@ -14846,7 +14822,7 @@
                   <a:tcPr marL="68580" marR="68580" marT="0" marB="0"/>
                 </a:tc>
               </a:tr>
-              <a:tr h="637309">
+              <a:tr h="706200">
                 <a:tc>
                   <a:txBody>
                     <a:bodyPr/>
@@ -15173,7 +15149,7 @@
   <a:extraClrSchemeLst/>
   <a:extLst>
     <a:ext uri="{05A4C25C-085E-4340-85A3-A5531E510DB2}">
-      <thm15:themeFamily xmlns:thm15="http://schemas.microsoft.com/office/thememl/2012/main" xmlns="" name="Wisp" id="{7CB32D59-10C0-40DD-B7BD-2E94284A981C}" vid="{4F34B87B-9C7A-41AE-A6CB-48536223DFFD}"/>
+      <thm15:themeFamily xmlns:thm15="http://schemas.microsoft.com/office/thememl/2012/main" name="Wisp" id="{7CB32D59-10C0-40DD-B7BD-2E94284A981C}" vid="{4F34B87B-9C7A-41AE-A6CB-48536223DFFD}"/>
     </a:ext>
   </a:extLst>
 </a:theme>
